--- a/documents/T2_Restify.pptx
+++ b/documents/T2_Restify.pptx
@@ -4645,7 +4645,7 @@
         </p:nvSpPr>
         <p:spPr>
           <a:xfrm>
-            <a:off x="933450" y="1351008"/>
+            <a:off x="933450" y="1878029"/>
             <a:ext cx="7543800" cy="2717800"/>
           </a:xfrm>
         </p:spPr>
@@ -4660,10 +4660,25 @@
             <a:pPr algn="ctr"/>
             <a:r>
               <a:rPr lang="en-US" sz="4800" cap="none" dirty="0" smtClean="0"/>
-              <a:t>PROGRAMAÇÃO DE SISTEMAS DISTRIBUÍDOS</a:t>
+              <a:t>PROGRAMAÇÃO DE SISTEMAS </a:t>
+            </a:r>
+            <a:r>
+              <a:rPr lang="en-US" sz="4800" cap="none" dirty="0" smtClean="0"/>
+              <a:t>DISTRIBUÍDOS</a:t>
             </a:r>
             <a:br>
               <a:rPr lang="en-US" sz="4800" cap="none" dirty="0" smtClean="0"/>
+            </a:br>
+            <a:r>
+              <a:rPr lang="en-US" b="1" cap="none" dirty="0" smtClean="0"/>
+              <a:t>APRESENTAÇÃO FINAL</a:t>
+            </a:r>
+            <a:r>
+              <a:rPr lang="en-US" b="1" cap="none" dirty="0" smtClean="0"/>
+              <a:t/>
+            </a:r>
+            <a:br>
+              <a:rPr lang="en-US" b="1" cap="none" dirty="0" smtClean="0"/>
             </a:br>
             <a:r>
               <a:rPr lang="en-US" sz="4800" cap="none" dirty="0" smtClean="0"/>
@@ -5823,8 +5838,20 @@
               <a:t>Arquitetura de </a:t>
             </a:r>
             <a:r>
+              <a:rPr lang="pt-PT" smtClean="0"/>
+              <a:t>Sistema </a:t>
+            </a:r>
+            <a:r>
+              <a:rPr lang="pt-PT" smtClean="0"/>
+              <a:t>Teórica </a:t>
+            </a:r>
+            <a:r>
+              <a:rPr lang="pt-PT" smtClean="0"/>
+              <a:t>vs</a:t>
+            </a:r>
+            <a:r>
               <a:rPr lang="pt-PT" dirty="0" smtClean="0"/>
-              <a:t>Sistema vs. </a:t>
+              <a:t>. </a:t>
             </a:r>
             <a:br>
               <a:rPr lang="pt-PT" dirty="0" smtClean="0"/>
@@ -10263,11 +10290,7 @@
             </a:r>
             <a:r>
               <a:rPr lang="pt-PT" dirty="0" smtClean="0"/>
-              <a:t>Macros/{MacroID</a:t>
-            </a:r>
-            <a:r>
-              <a:rPr lang="pt-PT" dirty="0" smtClean="0"/>
-              <a:t>}</a:t>
+              <a:t>Macros/{MacroID}</a:t>
             </a:r>
           </a:p>
           <a:p>
@@ -10292,13 +10315,8 @@
           <a:p>
             <a:r>
               <a:rPr lang="pt-PT" dirty="0" smtClean="0"/>
-              <a:t>/Users/{UserID}/Datasets/{DatasetID}/</a:t>
-            </a:r>
-            <a:r>
-              <a:rPr lang="pt-PT" dirty="0" smtClean="0"/>
-              <a:t>Stats?StatID=StatID</a:t>
-            </a:r>
-            <a:endParaRPr lang="pt-PT" dirty="0" smtClean="0"/>
+              <a:t>/Users/{UserID}/Datasets/{DatasetID}/Stats?StatID=StatID</a:t>
+            </a:r>
           </a:p>
           <a:p>
             <a:r>
@@ -10307,13 +10325,8 @@
             </a:r>
             <a:r>
               <a:rPr lang="pt-PT" dirty="0" smtClean="0"/>
-              <a:t>}/</a:t>
-            </a:r>
-            <a:r>
-              <a:rPr lang="pt-PT" dirty="0" smtClean="0"/>
-              <a:t>Trnsf?TranfsID=TransfsID</a:t>
-            </a:r>
-            <a:endParaRPr lang="pt-PT" dirty="0" smtClean="0"/>
+              <a:t>}/Trnsf?TranfsID=TransfsID</a:t>
+            </a:r>
           </a:p>
           <a:p>
             <a:r>
@@ -10322,11 +10335,7 @@
             </a:r>
             <a:r>
               <a:rPr lang="pt-PT" dirty="0" smtClean="0"/>
-              <a:t>}/{MacroID</a:t>
-            </a:r>
-            <a:r>
-              <a:rPr lang="pt-PT" dirty="0" smtClean="0"/>
-              <a:t>}/MacroID=MacroID</a:t>
+              <a:t>}/{MacroID}/MacroID=MacroID</a:t>
             </a:r>
           </a:p>
           <a:p>
@@ -10334,7 +10343,6 @@
               <a:rPr lang="pt-PT" dirty="0" smtClean="0"/>
               <a:t>Users/{UserID}/Results/{ResultID}</a:t>
             </a:r>
-            <a:endParaRPr lang="pt-PT" dirty="0" smtClean="0"/>
           </a:p>
           <a:p>
             <a:endParaRPr lang="pt-PT" dirty="0" smtClean="0"/>
